--- a/Case use.pptx
+++ b/Case use.pptx
@@ -107,7 +107,49 @@
       </a:defRPr>
     </a:lvl9pPr>
   </p:defaultTextStyle>
+  <p:extLst>
+    <p:ext uri="{EFAFB233-063F-42B5-8137-9DF3F51BA10A}">
+      <p15:sldGuideLst xmlns:p15="http://schemas.microsoft.com/office/powerpoint/2012/main"/>
+    </p:ext>
+  </p:extLst>
 </p:presentation>
+</file>
+
+<file path=ppt/revisionInfo.xml><?xml version="1.0" encoding="utf-8"?>
+<p1510:revInfo xmlns:a="http://schemas.openxmlformats.org/drawingml/2006/main" xmlns:r="http://schemas.openxmlformats.org/officeDocument/2006/relationships" xmlns:p1510="http://schemas.microsoft.com/office/powerpoint/2015/10/main">
+  <p1510:revLst>
+    <p1510:client id="{D8B651D0-B9BE-4D0F-9EAD-9F1F9DAAD631}" v="1" dt="2019-09-14T19:36:39.342"/>
+  </p1510:revLst>
+</p1510:revInfo>
+</file>
+
+<file path=ppt/changesInfos/changesInfo1.xml><?xml version="1.0" encoding="utf-8"?>
+<pc:chgInfo xmlns:a="http://schemas.openxmlformats.org/drawingml/2006/main" xmlns:r="http://schemas.openxmlformats.org/officeDocument/2006/relationships" xmlns:ac="http://schemas.microsoft.com/office/drawing/2013/main/command" xmlns:pc="http://schemas.microsoft.com/office/powerpoint/2013/main/command">
+  <pc:docChgLst>
+    <pc:chgData name="Office2072" userId="52a5ddc4-b969-43fa-a50f-5e0a92d364aa" providerId="ADAL" clId="{D8B651D0-B9BE-4D0F-9EAD-9F1F9DAAD631}"/>
+    <pc:docChg chg="modSld">
+      <pc:chgData name="Office2072" userId="52a5ddc4-b969-43fa-a50f-5e0a92d364aa" providerId="ADAL" clId="{D8B651D0-B9BE-4D0F-9EAD-9F1F9DAAD631}" dt="2019-09-14T19:36:39.310" v="0" actId="1076"/>
+      <pc:docMkLst>
+        <pc:docMk/>
+      </pc:docMkLst>
+      <pc:sldChg chg="modSp">
+        <pc:chgData name="Office2072" userId="52a5ddc4-b969-43fa-a50f-5e0a92d364aa" providerId="ADAL" clId="{D8B651D0-B9BE-4D0F-9EAD-9F1F9DAAD631}" dt="2019-09-14T19:36:39.310" v="0" actId="1076"/>
+        <pc:sldMkLst>
+          <pc:docMk/>
+          <pc:sldMk cId="3256546435" sldId="256"/>
+        </pc:sldMkLst>
+        <pc:picChg chg="mod">
+          <ac:chgData name="Office2072" userId="52a5ddc4-b969-43fa-a50f-5e0a92d364aa" providerId="ADAL" clId="{D8B651D0-B9BE-4D0F-9EAD-9F1F9DAAD631}" dt="2019-09-14T19:36:39.310" v="0" actId="1076"/>
+          <ac:picMkLst>
+            <pc:docMk/>
+            <pc:sldMk cId="3256546435" sldId="256"/>
+            <ac:picMk id="1030" creationId="{00000000-0000-0000-0000-000000000000}"/>
+          </ac:picMkLst>
+        </pc:picChg>
+      </pc:sldChg>
+    </pc:docChg>
+  </pc:docChgLst>
+</pc:chgInfo>
 </file>
 
 <file path=ppt/slideLayouts/slideLayout1.xml><?xml version="1.0" encoding="utf-8"?>
@@ -152,7 +194,7 @@
           </a:lstStyle>
           <a:p>
             <a:r>
-              <a:rPr lang="en-US" smtClean="0"/>
+              <a:rPr lang="en-US"/>
               <a:t>Click to edit Master title style</a:t>
             </a:r>
             <a:endParaRPr lang="en-IN"/>
@@ -217,7 +259,7 @@
           </a:lstStyle>
           <a:p>
             <a:r>
-              <a:rPr lang="en-US" smtClean="0"/>
+              <a:rPr lang="en-US"/>
               <a:t>Click to edit Master subtitle style</a:t>
             </a:r>
             <a:endParaRPr lang="en-IN"/>
@@ -241,7 +283,7 @@
           <a:p>
             <a:fld id="{E960C236-3855-4B62-AA61-076AF58B8B11}" type="datetimeFigureOut">
               <a:rPr lang="en-IN" smtClean="0"/>
-              <a:t>14-09-2019</a:t>
+              <a:t>15-09-2019</a:t>
             </a:fld>
             <a:endParaRPr lang="en-IN"/>
           </a:p>
@@ -335,7 +377,7 @@
           <a:lstStyle/>
           <a:p>
             <a:r>
-              <a:rPr lang="en-US" smtClean="0"/>
+              <a:rPr lang="en-US"/>
               <a:t>Click to edit Master title style</a:t>
             </a:r>
             <a:endParaRPr lang="en-IN"/>
@@ -359,35 +401,35 @@
           <a:p>
             <a:pPr lvl="0"/>
             <a:r>
-              <a:rPr lang="en-US" smtClean="0"/>
+              <a:rPr lang="en-US"/>
               <a:t>Click to edit Master text styles</a:t>
             </a:r>
           </a:p>
           <a:p>
             <a:pPr lvl="1"/>
             <a:r>
-              <a:rPr lang="en-US" smtClean="0"/>
+              <a:rPr lang="en-US"/>
               <a:t>Second level</a:t>
             </a:r>
           </a:p>
           <a:p>
             <a:pPr lvl="2"/>
             <a:r>
-              <a:rPr lang="en-US" smtClean="0"/>
+              <a:rPr lang="en-US"/>
               <a:t>Third level</a:t>
             </a:r>
           </a:p>
           <a:p>
             <a:pPr lvl="3"/>
             <a:r>
-              <a:rPr lang="en-US" smtClean="0"/>
+              <a:rPr lang="en-US"/>
               <a:t>Fourth level</a:t>
             </a:r>
           </a:p>
           <a:p>
             <a:pPr lvl="4"/>
             <a:r>
-              <a:rPr lang="en-US" smtClean="0"/>
+              <a:rPr lang="en-US"/>
               <a:t>Fifth level</a:t>
             </a:r>
             <a:endParaRPr lang="en-IN"/>
@@ -411,7 +453,7 @@
           <a:p>
             <a:fld id="{E960C236-3855-4B62-AA61-076AF58B8B11}" type="datetimeFigureOut">
               <a:rPr lang="en-IN" smtClean="0"/>
-              <a:t>14-09-2019</a:t>
+              <a:t>15-09-2019</a:t>
             </a:fld>
             <a:endParaRPr lang="en-IN"/>
           </a:p>
@@ -510,7 +552,7 @@
           <a:lstStyle/>
           <a:p>
             <a:r>
-              <a:rPr lang="en-US" smtClean="0"/>
+              <a:rPr lang="en-US"/>
               <a:t>Click to edit Master title style</a:t>
             </a:r>
             <a:endParaRPr lang="en-IN"/>
@@ -539,35 +581,35 @@
           <a:p>
             <a:pPr lvl="0"/>
             <a:r>
-              <a:rPr lang="en-US" smtClean="0"/>
+              <a:rPr lang="en-US"/>
               <a:t>Click to edit Master text styles</a:t>
             </a:r>
           </a:p>
           <a:p>
             <a:pPr lvl="1"/>
             <a:r>
-              <a:rPr lang="en-US" smtClean="0"/>
+              <a:rPr lang="en-US"/>
               <a:t>Second level</a:t>
             </a:r>
           </a:p>
           <a:p>
             <a:pPr lvl="2"/>
             <a:r>
-              <a:rPr lang="en-US" smtClean="0"/>
+              <a:rPr lang="en-US"/>
               <a:t>Third level</a:t>
             </a:r>
           </a:p>
           <a:p>
             <a:pPr lvl="3"/>
             <a:r>
-              <a:rPr lang="en-US" smtClean="0"/>
+              <a:rPr lang="en-US"/>
               <a:t>Fourth level</a:t>
             </a:r>
           </a:p>
           <a:p>
             <a:pPr lvl="4"/>
             <a:r>
-              <a:rPr lang="en-US" smtClean="0"/>
+              <a:rPr lang="en-US"/>
               <a:t>Fifth level</a:t>
             </a:r>
             <a:endParaRPr lang="en-IN"/>
@@ -591,7 +633,7 @@
           <a:p>
             <a:fld id="{E960C236-3855-4B62-AA61-076AF58B8B11}" type="datetimeFigureOut">
               <a:rPr lang="en-IN" smtClean="0"/>
-              <a:t>14-09-2019</a:t>
+              <a:t>15-09-2019</a:t>
             </a:fld>
             <a:endParaRPr lang="en-IN"/>
           </a:p>
@@ -685,7 +727,7 @@
           <a:lstStyle/>
           <a:p>
             <a:r>
-              <a:rPr lang="en-US" smtClean="0"/>
+              <a:rPr lang="en-US"/>
               <a:t>Click to edit Master title style</a:t>
             </a:r>
             <a:endParaRPr lang="en-IN"/>
@@ -709,35 +751,35 @@
           <a:p>
             <a:pPr lvl="0"/>
             <a:r>
-              <a:rPr lang="en-US" smtClean="0"/>
+              <a:rPr lang="en-US"/>
               <a:t>Click to edit Master text styles</a:t>
             </a:r>
           </a:p>
           <a:p>
             <a:pPr lvl="1"/>
             <a:r>
-              <a:rPr lang="en-US" smtClean="0"/>
+              <a:rPr lang="en-US"/>
               <a:t>Second level</a:t>
             </a:r>
           </a:p>
           <a:p>
             <a:pPr lvl="2"/>
             <a:r>
-              <a:rPr lang="en-US" smtClean="0"/>
+              <a:rPr lang="en-US"/>
               <a:t>Third level</a:t>
             </a:r>
           </a:p>
           <a:p>
             <a:pPr lvl="3"/>
             <a:r>
-              <a:rPr lang="en-US" smtClean="0"/>
+              <a:rPr lang="en-US"/>
               <a:t>Fourth level</a:t>
             </a:r>
           </a:p>
           <a:p>
             <a:pPr lvl="4"/>
             <a:r>
-              <a:rPr lang="en-US" smtClean="0"/>
+              <a:rPr lang="en-US"/>
               <a:t>Fifth level</a:t>
             </a:r>
             <a:endParaRPr lang="en-IN"/>
@@ -761,7 +803,7 @@
           <a:p>
             <a:fld id="{E960C236-3855-4B62-AA61-076AF58B8B11}" type="datetimeFigureOut">
               <a:rPr lang="en-IN" smtClean="0"/>
-              <a:t>14-09-2019</a:t>
+              <a:t>15-09-2019</a:t>
             </a:fld>
             <a:endParaRPr lang="en-IN"/>
           </a:p>
@@ -864,7 +906,7 @@
           </a:lstStyle>
           <a:p>
             <a:r>
-              <a:rPr lang="en-US" smtClean="0"/>
+              <a:rPr lang="en-US"/>
               <a:t>Click to edit Master title style</a:t>
             </a:r>
             <a:endParaRPr lang="en-IN"/>
@@ -984,7 +1026,7 @@
           <a:p>
             <a:pPr lvl="0"/>
             <a:r>
-              <a:rPr lang="en-US" smtClean="0"/>
+              <a:rPr lang="en-US"/>
               <a:t>Click to edit Master text styles</a:t>
             </a:r>
           </a:p>
@@ -1007,7 +1049,7 @@
           <a:p>
             <a:fld id="{E960C236-3855-4B62-AA61-076AF58B8B11}" type="datetimeFigureOut">
               <a:rPr lang="en-IN" smtClean="0"/>
-              <a:t>14-09-2019</a:t>
+              <a:t>15-09-2019</a:t>
             </a:fld>
             <a:endParaRPr lang="en-IN"/>
           </a:p>
@@ -1101,7 +1143,7 @@
           <a:lstStyle/>
           <a:p>
             <a:r>
-              <a:rPr lang="en-US" smtClean="0"/>
+              <a:rPr lang="en-US"/>
               <a:t>Click to edit Master title style</a:t>
             </a:r>
             <a:endParaRPr lang="en-IN"/>
@@ -1130,35 +1172,35 @@
           <a:p>
             <a:pPr lvl="0"/>
             <a:r>
-              <a:rPr lang="en-US" smtClean="0"/>
+              <a:rPr lang="en-US"/>
               <a:t>Click to edit Master text styles</a:t>
             </a:r>
           </a:p>
           <a:p>
             <a:pPr lvl="1"/>
             <a:r>
-              <a:rPr lang="en-US" smtClean="0"/>
+              <a:rPr lang="en-US"/>
               <a:t>Second level</a:t>
             </a:r>
           </a:p>
           <a:p>
             <a:pPr lvl="2"/>
             <a:r>
-              <a:rPr lang="en-US" smtClean="0"/>
+              <a:rPr lang="en-US"/>
               <a:t>Third level</a:t>
             </a:r>
           </a:p>
           <a:p>
             <a:pPr lvl="3"/>
             <a:r>
-              <a:rPr lang="en-US" smtClean="0"/>
+              <a:rPr lang="en-US"/>
               <a:t>Fourth level</a:t>
             </a:r>
           </a:p>
           <a:p>
             <a:pPr lvl="4"/>
             <a:r>
-              <a:rPr lang="en-US" smtClean="0"/>
+              <a:rPr lang="en-US"/>
               <a:t>Fifth level</a:t>
             </a:r>
             <a:endParaRPr lang="en-IN"/>
@@ -1187,35 +1229,35 @@
           <a:p>
             <a:pPr lvl="0"/>
             <a:r>
-              <a:rPr lang="en-US" smtClean="0"/>
+              <a:rPr lang="en-US"/>
               <a:t>Click to edit Master text styles</a:t>
             </a:r>
           </a:p>
           <a:p>
             <a:pPr lvl="1"/>
             <a:r>
-              <a:rPr lang="en-US" smtClean="0"/>
+              <a:rPr lang="en-US"/>
               <a:t>Second level</a:t>
             </a:r>
           </a:p>
           <a:p>
             <a:pPr lvl="2"/>
             <a:r>
-              <a:rPr lang="en-US" smtClean="0"/>
+              <a:rPr lang="en-US"/>
               <a:t>Third level</a:t>
             </a:r>
           </a:p>
           <a:p>
             <a:pPr lvl="3"/>
             <a:r>
-              <a:rPr lang="en-US" smtClean="0"/>
+              <a:rPr lang="en-US"/>
               <a:t>Fourth level</a:t>
             </a:r>
           </a:p>
           <a:p>
             <a:pPr lvl="4"/>
             <a:r>
-              <a:rPr lang="en-US" smtClean="0"/>
+              <a:rPr lang="en-US"/>
               <a:t>Fifth level</a:t>
             </a:r>
             <a:endParaRPr lang="en-IN"/>
@@ -1239,7 +1281,7 @@
           <a:p>
             <a:fld id="{E960C236-3855-4B62-AA61-076AF58B8B11}" type="datetimeFigureOut">
               <a:rPr lang="en-IN" smtClean="0"/>
-              <a:t>14-09-2019</a:t>
+              <a:t>15-09-2019</a:t>
             </a:fld>
             <a:endParaRPr lang="en-IN"/>
           </a:p>
@@ -1338,7 +1380,7 @@
           <a:lstStyle/>
           <a:p>
             <a:r>
-              <a:rPr lang="en-US" smtClean="0"/>
+              <a:rPr lang="en-US"/>
               <a:t>Click to edit Master title style</a:t>
             </a:r>
             <a:endParaRPr lang="en-IN"/>
@@ -1404,7 +1446,7 @@
           <a:p>
             <a:pPr lvl="0"/>
             <a:r>
-              <a:rPr lang="en-US" smtClean="0"/>
+              <a:rPr lang="en-US"/>
               <a:t>Click to edit Master text styles</a:t>
             </a:r>
           </a:p>
@@ -1432,35 +1474,35 @@
           <a:p>
             <a:pPr lvl="0"/>
             <a:r>
-              <a:rPr lang="en-US" smtClean="0"/>
+              <a:rPr lang="en-US"/>
               <a:t>Click to edit Master text styles</a:t>
             </a:r>
           </a:p>
           <a:p>
             <a:pPr lvl="1"/>
             <a:r>
-              <a:rPr lang="en-US" smtClean="0"/>
+              <a:rPr lang="en-US"/>
               <a:t>Second level</a:t>
             </a:r>
           </a:p>
           <a:p>
             <a:pPr lvl="2"/>
             <a:r>
-              <a:rPr lang="en-US" smtClean="0"/>
+              <a:rPr lang="en-US"/>
               <a:t>Third level</a:t>
             </a:r>
           </a:p>
           <a:p>
             <a:pPr lvl="3"/>
             <a:r>
-              <a:rPr lang="en-US" smtClean="0"/>
+              <a:rPr lang="en-US"/>
               <a:t>Fourth level</a:t>
             </a:r>
           </a:p>
           <a:p>
             <a:pPr lvl="4"/>
             <a:r>
-              <a:rPr lang="en-US" smtClean="0"/>
+              <a:rPr lang="en-US"/>
               <a:t>Fifth level</a:t>
             </a:r>
             <a:endParaRPr lang="en-IN"/>
@@ -1526,7 +1568,7 @@
           <a:p>
             <a:pPr lvl="0"/>
             <a:r>
-              <a:rPr lang="en-US" smtClean="0"/>
+              <a:rPr lang="en-US"/>
               <a:t>Click to edit Master text styles</a:t>
             </a:r>
           </a:p>
@@ -1554,35 +1596,35 @@
           <a:p>
             <a:pPr lvl="0"/>
             <a:r>
-              <a:rPr lang="en-US" smtClean="0"/>
+              <a:rPr lang="en-US"/>
               <a:t>Click to edit Master text styles</a:t>
             </a:r>
           </a:p>
           <a:p>
             <a:pPr lvl="1"/>
             <a:r>
-              <a:rPr lang="en-US" smtClean="0"/>
+              <a:rPr lang="en-US"/>
               <a:t>Second level</a:t>
             </a:r>
           </a:p>
           <a:p>
             <a:pPr lvl="2"/>
             <a:r>
-              <a:rPr lang="en-US" smtClean="0"/>
+              <a:rPr lang="en-US"/>
               <a:t>Third level</a:t>
             </a:r>
           </a:p>
           <a:p>
             <a:pPr lvl="3"/>
             <a:r>
-              <a:rPr lang="en-US" smtClean="0"/>
+              <a:rPr lang="en-US"/>
               <a:t>Fourth level</a:t>
             </a:r>
           </a:p>
           <a:p>
             <a:pPr lvl="4"/>
             <a:r>
-              <a:rPr lang="en-US" smtClean="0"/>
+              <a:rPr lang="en-US"/>
               <a:t>Fifth level</a:t>
             </a:r>
             <a:endParaRPr lang="en-IN"/>
@@ -1606,7 +1648,7 @@
           <a:p>
             <a:fld id="{E960C236-3855-4B62-AA61-076AF58B8B11}" type="datetimeFigureOut">
               <a:rPr lang="en-IN" smtClean="0"/>
-              <a:t>14-09-2019</a:t>
+              <a:t>15-09-2019</a:t>
             </a:fld>
             <a:endParaRPr lang="en-IN"/>
           </a:p>
@@ -1700,7 +1742,7 @@
           <a:lstStyle/>
           <a:p>
             <a:r>
-              <a:rPr lang="en-US" smtClean="0"/>
+              <a:rPr lang="en-US"/>
               <a:t>Click to edit Master title style</a:t>
             </a:r>
             <a:endParaRPr lang="en-IN"/>
@@ -1724,7 +1766,7 @@
           <a:p>
             <a:fld id="{E960C236-3855-4B62-AA61-076AF58B8B11}" type="datetimeFigureOut">
               <a:rPr lang="en-IN" smtClean="0"/>
-              <a:t>14-09-2019</a:t>
+              <a:t>15-09-2019</a:t>
             </a:fld>
             <a:endParaRPr lang="en-IN"/>
           </a:p>
@@ -1819,7 +1861,7 @@
           <a:p>
             <a:fld id="{E960C236-3855-4B62-AA61-076AF58B8B11}" type="datetimeFigureOut">
               <a:rPr lang="en-IN" smtClean="0"/>
-              <a:t>14-09-2019</a:t>
+              <a:t>15-09-2019</a:t>
             </a:fld>
             <a:endParaRPr lang="en-IN"/>
           </a:p>
@@ -1922,7 +1964,7 @@
           </a:lstStyle>
           <a:p>
             <a:r>
-              <a:rPr lang="en-US" smtClean="0"/>
+              <a:rPr lang="en-US"/>
               <a:t>Click to edit Master title style</a:t>
             </a:r>
             <a:endParaRPr lang="en-IN"/>
@@ -1979,35 +2021,35 @@
           <a:p>
             <a:pPr lvl="0"/>
             <a:r>
-              <a:rPr lang="en-US" smtClean="0"/>
+              <a:rPr lang="en-US"/>
               <a:t>Click to edit Master text styles</a:t>
             </a:r>
           </a:p>
           <a:p>
             <a:pPr lvl="1"/>
             <a:r>
-              <a:rPr lang="en-US" smtClean="0"/>
+              <a:rPr lang="en-US"/>
               <a:t>Second level</a:t>
             </a:r>
           </a:p>
           <a:p>
             <a:pPr lvl="2"/>
             <a:r>
-              <a:rPr lang="en-US" smtClean="0"/>
+              <a:rPr lang="en-US"/>
               <a:t>Third level</a:t>
             </a:r>
           </a:p>
           <a:p>
             <a:pPr lvl="3"/>
             <a:r>
-              <a:rPr lang="en-US" smtClean="0"/>
+              <a:rPr lang="en-US"/>
               <a:t>Fourth level</a:t>
             </a:r>
           </a:p>
           <a:p>
             <a:pPr lvl="4"/>
             <a:r>
-              <a:rPr lang="en-US" smtClean="0"/>
+              <a:rPr lang="en-US"/>
               <a:t>Fifth level</a:t>
             </a:r>
             <a:endParaRPr lang="en-IN"/>
@@ -2073,7 +2115,7 @@
           <a:p>
             <a:pPr lvl="0"/>
             <a:r>
-              <a:rPr lang="en-US" smtClean="0"/>
+              <a:rPr lang="en-US"/>
               <a:t>Click to edit Master text styles</a:t>
             </a:r>
           </a:p>
@@ -2096,7 +2138,7 @@
           <a:p>
             <a:fld id="{E960C236-3855-4B62-AA61-076AF58B8B11}" type="datetimeFigureOut">
               <a:rPr lang="en-IN" smtClean="0"/>
-              <a:t>14-09-2019</a:t>
+              <a:t>15-09-2019</a:t>
             </a:fld>
             <a:endParaRPr lang="en-IN"/>
           </a:p>
@@ -2199,7 +2241,7 @@
           </a:lstStyle>
           <a:p>
             <a:r>
-              <a:rPr lang="en-US" smtClean="0"/>
+              <a:rPr lang="en-US"/>
               <a:t>Click to edit Master title style</a:t>
             </a:r>
             <a:endParaRPr lang="en-IN"/>
@@ -2326,7 +2368,7 @@
           <a:p>
             <a:pPr lvl="0"/>
             <a:r>
-              <a:rPr lang="en-US" smtClean="0"/>
+              <a:rPr lang="en-US"/>
               <a:t>Click to edit Master text styles</a:t>
             </a:r>
           </a:p>
@@ -2349,7 +2391,7 @@
           <a:p>
             <a:fld id="{E960C236-3855-4B62-AA61-076AF58B8B11}" type="datetimeFigureOut">
               <a:rPr lang="en-IN" smtClean="0"/>
-              <a:t>14-09-2019</a:t>
+              <a:t>15-09-2019</a:t>
             </a:fld>
             <a:endParaRPr lang="en-IN"/>
           </a:p>
@@ -2458,7 +2500,7 @@
           <a:lstStyle/>
           <a:p>
             <a:r>
-              <a:rPr lang="en-US" smtClean="0"/>
+              <a:rPr lang="en-US"/>
               <a:t>Click to edit Master title style</a:t>
             </a:r>
             <a:endParaRPr lang="en-IN"/>
@@ -2492,35 +2534,35 @@
           <a:p>
             <a:pPr lvl="0"/>
             <a:r>
-              <a:rPr lang="en-US" smtClean="0"/>
+              <a:rPr lang="en-US"/>
               <a:t>Click to edit Master text styles</a:t>
             </a:r>
           </a:p>
           <a:p>
             <a:pPr lvl="1"/>
             <a:r>
-              <a:rPr lang="en-US" smtClean="0"/>
+              <a:rPr lang="en-US"/>
               <a:t>Second level</a:t>
             </a:r>
           </a:p>
           <a:p>
             <a:pPr lvl="2"/>
             <a:r>
-              <a:rPr lang="en-US" smtClean="0"/>
+              <a:rPr lang="en-US"/>
               <a:t>Third level</a:t>
             </a:r>
           </a:p>
           <a:p>
             <a:pPr lvl="3"/>
             <a:r>
-              <a:rPr lang="en-US" smtClean="0"/>
+              <a:rPr lang="en-US"/>
               <a:t>Fourth level</a:t>
             </a:r>
           </a:p>
           <a:p>
             <a:pPr lvl="4"/>
             <a:r>
-              <a:rPr lang="en-US" smtClean="0"/>
+              <a:rPr lang="en-US"/>
               <a:t>Fifth level</a:t>
             </a:r>
             <a:endParaRPr lang="en-IN"/>
@@ -2562,7 +2604,7 @@
           <a:p>
             <a:fld id="{E960C236-3855-4B62-AA61-076AF58B8B11}" type="datetimeFigureOut">
               <a:rPr lang="en-IN" smtClean="0"/>
-              <a:t>14-09-2019</a:t>
+              <a:t>15-09-2019</a:t>
             </a:fld>
             <a:endParaRPr lang="en-IN"/>
           </a:p>
@@ -2990,7 +3032,7 @@
         </p:blipFill>
         <p:spPr bwMode="auto">
           <a:xfrm>
-            <a:off x="155575" y="0"/>
+            <a:off x="-414269" y="0"/>
             <a:ext cx="11007725" cy="6591300"/>
           </a:xfrm>
           <a:prstGeom prst="rect">

--- a/Case use.pptx
+++ b/Case use.pptx
@@ -118,7 +118,7 @@
 <file path=ppt/revisionInfo.xml><?xml version="1.0" encoding="utf-8"?>
 <p1510:revInfo xmlns:a="http://schemas.openxmlformats.org/drawingml/2006/main" xmlns:r="http://schemas.openxmlformats.org/officeDocument/2006/relationships" xmlns:p1510="http://schemas.microsoft.com/office/powerpoint/2015/10/main">
   <p1510:revLst>
-    <p1510:client id="{D8B651D0-B9BE-4D0F-9EAD-9F1F9DAAD631}" v="1" dt="2019-09-14T19:36:39.342"/>
+    <p1510:client id="{D8B651D0-B9BE-4D0F-9EAD-9F1F9DAAD631}" v="2" dt="2019-09-15T07:52:27.758"/>
   </p1510:revLst>
 </p1510:revInfo>
 </file>
@@ -128,18 +128,18 @@
   <pc:docChgLst>
     <pc:chgData name="Office2072" userId="52a5ddc4-b969-43fa-a50f-5e0a92d364aa" providerId="ADAL" clId="{D8B651D0-B9BE-4D0F-9EAD-9F1F9DAAD631}"/>
     <pc:docChg chg="modSld">
-      <pc:chgData name="Office2072" userId="52a5ddc4-b969-43fa-a50f-5e0a92d364aa" providerId="ADAL" clId="{D8B651D0-B9BE-4D0F-9EAD-9F1F9DAAD631}" dt="2019-09-14T19:36:39.310" v="0" actId="1076"/>
+      <pc:chgData name="Office2072" userId="52a5ddc4-b969-43fa-a50f-5e0a92d364aa" providerId="ADAL" clId="{D8B651D0-B9BE-4D0F-9EAD-9F1F9DAAD631}" dt="2019-09-15T07:52:27.743" v="1" actId="1076"/>
       <pc:docMkLst>
         <pc:docMk/>
       </pc:docMkLst>
       <pc:sldChg chg="modSp">
-        <pc:chgData name="Office2072" userId="52a5ddc4-b969-43fa-a50f-5e0a92d364aa" providerId="ADAL" clId="{D8B651D0-B9BE-4D0F-9EAD-9F1F9DAAD631}" dt="2019-09-14T19:36:39.310" v="0" actId="1076"/>
+        <pc:chgData name="Office2072" userId="52a5ddc4-b969-43fa-a50f-5e0a92d364aa" providerId="ADAL" clId="{D8B651D0-B9BE-4D0F-9EAD-9F1F9DAAD631}" dt="2019-09-15T07:52:27.743" v="1" actId="1076"/>
         <pc:sldMkLst>
           <pc:docMk/>
           <pc:sldMk cId="3256546435" sldId="256"/>
         </pc:sldMkLst>
         <pc:picChg chg="mod">
-          <ac:chgData name="Office2072" userId="52a5ddc4-b969-43fa-a50f-5e0a92d364aa" providerId="ADAL" clId="{D8B651D0-B9BE-4D0F-9EAD-9F1F9DAAD631}" dt="2019-09-14T19:36:39.310" v="0" actId="1076"/>
+          <ac:chgData name="Office2072" userId="52a5ddc4-b969-43fa-a50f-5e0a92d364aa" providerId="ADAL" clId="{D8B651D0-B9BE-4D0F-9EAD-9F1F9DAAD631}" dt="2019-09-15T07:52:27.743" v="1" actId="1076"/>
           <ac:picMkLst>
             <pc:docMk/>
             <pc:sldMk cId="3256546435" sldId="256"/>
@@ -3032,7 +3032,7 @@
         </p:blipFill>
         <p:spPr bwMode="auto">
           <a:xfrm>
-            <a:off x="-414269" y="0"/>
+            <a:off x="-414269" y="-87086"/>
             <a:ext cx="11007725" cy="6591300"/>
           </a:xfrm>
           <a:prstGeom prst="rect">

--- a/Case use.pptx
+++ b/Case use.pptx
@@ -118,7 +118,7 @@
 <file path=ppt/revisionInfo.xml><?xml version="1.0" encoding="utf-8"?>
 <p1510:revInfo xmlns:a="http://schemas.openxmlformats.org/drawingml/2006/main" xmlns:r="http://schemas.openxmlformats.org/officeDocument/2006/relationships" xmlns:p1510="http://schemas.microsoft.com/office/powerpoint/2015/10/main">
   <p1510:revLst>
-    <p1510:client id="{D8B651D0-B9BE-4D0F-9EAD-9F1F9DAAD631}" v="2" dt="2019-09-15T07:52:27.758"/>
+    <p1510:client id="{D8B651D0-B9BE-4D0F-9EAD-9F1F9DAAD631}" v="3" dt="2019-09-15T18:36:24.654"/>
   </p1510:revLst>
 </p1510:revInfo>
 </file>
@@ -128,7 +128,7 @@
   <pc:docChgLst>
     <pc:chgData name="Office2072" userId="52a5ddc4-b969-43fa-a50f-5e0a92d364aa" providerId="ADAL" clId="{D8B651D0-B9BE-4D0F-9EAD-9F1F9DAAD631}"/>
     <pc:docChg chg="modSld">
-      <pc:chgData name="Office2072" userId="52a5ddc4-b969-43fa-a50f-5e0a92d364aa" providerId="ADAL" clId="{D8B651D0-B9BE-4D0F-9EAD-9F1F9DAAD631}" dt="2019-09-15T07:52:27.743" v="1" actId="1076"/>
+      <pc:chgData name="Office2072" userId="52a5ddc4-b969-43fa-a50f-5e0a92d364aa" providerId="ADAL" clId="{D8B651D0-B9BE-4D0F-9EAD-9F1F9DAAD631}" dt="2019-09-15T18:36:24.653" v="2" actId="1076"/>
       <pc:docMkLst>
         <pc:docMk/>
       </pc:docMkLst>
@@ -144,6 +144,21 @@
             <pc:docMk/>
             <pc:sldMk cId="3256546435" sldId="256"/>
             <ac:picMk id="1030" creationId="{00000000-0000-0000-0000-000000000000}"/>
+          </ac:picMkLst>
+        </pc:picChg>
+      </pc:sldChg>
+      <pc:sldChg chg="modSp">
+        <pc:chgData name="Office2072" userId="52a5ddc4-b969-43fa-a50f-5e0a92d364aa" providerId="ADAL" clId="{D8B651D0-B9BE-4D0F-9EAD-9F1F9DAAD631}" dt="2019-09-15T18:36:24.653" v="2" actId="1076"/>
+        <pc:sldMkLst>
+          <pc:docMk/>
+          <pc:sldMk cId="1168409713" sldId="258"/>
+        </pc:sldMkLst>
+        <pc:picChg chg="mod">
+          <ac:chgData name="Office2072" userId="52a5ddc4-b969-43fa-a50f-5e0a92d364aa" providerId="ADAL" clId="{D8B651D0-B9BE-4D0F-9EAD-9F1F9DAAD631}" dt="2019-09-15T18:36:24.653" v="2" actId="1076"/>
+          <ac:picMkLst>
+            <pc:docMk/>
+            <pc:sldMk cId="1168409713" sldId="258"/>
+            <ac:picMk id="3076" creationId="{00000000-0000-0000-0000-000000000000}"/>
           </ac:picMkLst>
         </pc:picChg>
       </pc:sldChg>
@@ -283,7 +298,7 @@
           <a:p>
             <a:fld id="{E960C236-3855-4B62-AA61-076AF58B8B11}" type="datetimeFigureOut">
               <a:rPr lang="en-IN" smtClean="0"/>
-              <a:t>15-09-2019</a:t>
+              <a:t>16-09-2019</a:t>
             </a:fld>
             <a:endParaRPr lang="en-IN"/>
           </a:p>
@@ -453,7 +468,7 @@
           <a:p>
             <a:fld id="{E960C236-3855-4B62-AA61-076AF58B8B11}" type="datetimeFigureOut">
               <a:rPr lang="en-IN" smtClean="0"/>
-              <a:t>15-09-2019</a:t>
+              <a:t>16-09-2019</a:t>
             </a:fld>
             <a:endParaRPr lang="en-IN"/>
           </a:p>
@@ -633,7 +648,7 @@
           <a:p>
             <a:fld id="{E960C236-3855-4B62-AA61-076AF58B8B11}" type="datetimeFigureOut">
               <a:rPr lang="en-IN" smtClean="0"/>
-              <a:t>15-09-2019</a:t>
+              <a:t>16-09-2019</a:t>
             </a:fld>
             <a:endParaRPr lang="en-IN"/>
           </a:p>
@@ -803,7 +818,7 @@
           <a:p>
             <a:fld id="{E960C236-3855-4B62-AA61-076AF58B8B11}" type="datetimeFigureOut">
               <a:rPr lang="en-IN" smtClean="0"/>
-              <a:t>15-09-2019</a:t>
+              <a:t>16-09-2019</a:t>
             </a:fld>
             <a:endParaRPr lang="en-IN"/>
           </a:p>
@@ -1049,7 +1064,7 @@
           <a:p>
             <a:fld id="{E960C236-3855-4B62-AA61-076AF58B8B11}" type="datetimeFigureOut">
               <a:rPr lang="en-IN" smtClean="0"/>
-              <a:t>15-09-2019</a:t>
+              <a:t>16-09-2019</a:t>
             </a:fld>
             <a:endParaRPr lang="en-IN"/>
           </a:p>
@@ -1281,7 +1296,7 @@
           <a:p>
             <a:fld id="{E960C236-3855-4B62-AA61-076AF58B8B11}" type="datetimeFigureOut">
               <a:rPr lang="en-IN" smtClean="0"/>
-              <a:t>15-09-2019</a:t>
+              <a:t>16-09-2019</a:t>
             </a:fld>
             <a:endParaRPr lang="en-IN"/>
           </a:p>
@@ -1648,7 +1663,7 @@
           <a:p>
             <a:fld id="{E960C236-3855-4B62-AA61-076AF58B8B11}" type="datetimeFigureOut">
               <a:rPr lang="en-IN" smtClean="0"/>
-              <a:t>15-09-2019</a:t>
+              <a:t>16-09-2019</a:t>
             </a:fld>
             <a:endParaRPr lang="en-IN"/>
           </a:p>
@@ -1766,7 +1781,7 @@
           <a:p>
             <a:fld id="{E960C236-3855-4B62-AA61-076AF58B8B11}" type="datetimeFigureOut">
               <a:rPr lang="en-IN" smtClean="0"/>
-              <a:t>15-09-2019</a:t>
+              <a:t>16-09-2019</a:t>
             </a:fld>
             <a:endParaRPr lang="en-IN"/>
           </a:p>
@@ -1861,7 +1876,7 @@
           <a:p>
             <a:fld id="{E960C236-3855-4B62-AA61-076AF58B8B11}" type="datetimeFigureOut">
               <a:rPr lang="en-IN" smtClean="0"/>
-              <a:t>15-09-2019</a:t>
+              <a:t>16-09-2019</a:t>
             </a:fld>
             <a:endParaRPr lang="en-IN"/>
           </a:p>
@@ -2138,7 +2153,7 @@
           <a:p>
             <a:fld id="{E960C236-3855-4B62-AA61-076AF58B8B11}" type="datetimeFigureOut">
               <a:rPr lang="en-IN" smtClean="0"/>
-              <a:t>15-09-2019</a:t>
+              <a:t>16-09-2019</a:t>
             </a:fld>
             <a:endParaRPr lang="en-IN"/>
           </a:p>
@@ -2391,7 +2406,7 @@
           <a:p>
             <a:fld id="{E960C236-3855-4B62-AA61-076AF58B8B11}" type="datetimeFigureOut">
               <a:rPr lang="en-IN" smtClean="0"/>
-              <a:t>15-09-2019</a:t>
+              <a:t>16-09-2019</a:t>
             </a:fld>
             <a:endParaRPr lang="en-IN"/>
           </a:p>
@@ -2604,7 +2619,7 @@
           <a:p>
             <a:fld id="{E960C236-3855-4B62-AA61-076AF58B8B11}" type="datetimeFigureOut">
               <a:rPr lang="en-IN" smtClean="0"/>
-              <a:t>15-09-2019</a:t>
+              <a:t>16-09-2019</a:t>
             </a:fld>
             <a:endParaRPr lang="en-IN"/>
           </a:p>
@@ -3174,7 +3189,7 @@
         </p:blipFill>
         <p:spPr bwMode="auto">
           <a:xfrm>
-            <a:off x="193674" y="0"/>
+            <a:off x="193674" y="-87085"/>
             <a:ext cx="11160125" cy="6388100"/>
           </a:xfrm>
           <a:prstGeom prst="rect">
